--- a/docs/CodeShare.pptx
+++ b/docs/CodeShare.pptx
@@ -1566,7 +1566,7 @@
         </p:nvSpPr>
         <p:spPr>
           <a:xfrm>
-            <a:off x="4491038" y="5272088"/>
+            <a:off x="4070033" y="5250498"/>
             <a:ext cx="1870710" cy="400050"/>
           </a:xfrm>
           <a:prstGeom prst="rect">
@@ -1612,7 +1612,7 @@
         </p:nvSpPr>
         <p:spPr>
           <a:xfrm>
-            <a:off x="1584325" y="5272088"/>
+            <a:off x="1120140" y="5272088"/>
             <a:ext cx="2112010" cy="400050"/>
           </a:xfrm>
           <a:prstGeom prst="rect">
@@ -1704,7 +1704,7 @@
         </p:nvGrpSpPr>
         <p:grpSpPr>
           <a:xfrm>
-            <a:off x="1031875" y="5181600"/>
+            <a:off x="567690" y="5181600"/>
             <a:ext cx="552450" cy="552450"/>
             <a:chOff x="1031277" y="5180856"/>
             <a:chExt cx="552450" cy="552450"/>
@@ -2387,7 +2387,7 @@
         </p:nvGrpSpPr>
         <p:grpSpPr>
           <a:xfrm>
-            <a:off x="3938588" y="5181600"/>
+            <a:off x="3506788" y="5160010"/>
             <a:ext cx="552450" cy="552450"/>
             <a:chOff x="3937978" y="5180856"/>
             <a:chExt cx="552450" cy="552450"/>
@@ -3066,6 +3066,1892 @@
           <p:sp>
             <p:nvSpPr>
               <p:cNvPr id="22" name="Rounded Rectangle 14"/>
+              <p:cNvSpPr/>
+              <p:nvPr/>
+            </p:nvSpPr>
+            <p:spPr bwMode="auto">
+              <a:xfrm>
+                <a:off x="6740522" y="3829050"/>
+                <a:ext cx="869954" cy="874713"/>
+              </a:xfrm>
+              <a:custGeom>
+                <a:avLst/>
+                <a:gdLst>
+                  <a:gd name="connsiteX0" fmla="*/ 744540 w 869954"/>
+                  <a:gd name="connsiteY0" fmla="*/ 0 h 874713"/>
+                  <a:gd name="connsiteX1" fmla="*/ 869954 w 869954"/>
+                  <a:gd name="connsiteY1" fmla="*/ 125414 h 874713"/>
+                  <a:gd name="connsiteX2" fmla="*/ 869953 w 869954"/>
+                  <a:gd name="connsiteY2" fmla="*/ 706437 h 874713"/>
+                  <a:gd name="connsiteX3" fmla="*/ 869952 w 869954"/>
+                  <a:gd name="connsiteY3" fmla="*/ 749299 h 874713"/>
+                  <a:gd name="connsiteX4" fmla="*/ 744538 w 869954"/>
+                  <a:gd name="connsiteY4" fmla="*/ 874713 h 874713"/>
+                  <a:gd name="connsiteX5" fmla="*/ 125414 w 869954"/>
+                  <a:gd name="connsiteY5" fmla="*/ 874712 h 874713"/>
+                  <a:gd name="connsiteX6" fmla="*/ 0 w 869954"/>
+                  <a:gd name="connsiteY6" fmla="*/ 749298 h 874713"/>
+                  <a:gd name="connsiteX7" fmla="*/ 1 w 869954"/>
+                  <a:gd name="connsiteY7" fmla="*/ 749299 h 874713"/>
+                  <a:gd name="connsiteX8" fmla="*/ 125415 w 869954"/>
+                  <a:gd name="connsiteY8" fmla="*/ 623885 h 874713"/>
+                  <a:gd name="connsiteX9" fmla="*/ 619126 w 869954"/>
+                  <a:gd name="connsiteY9" fmla="*/ 623885 h 874713"/>
+                  <a:gd name="connsiteX10" fmla="*/ 619126 w 869954"/>
+                  <a:gd name="connsiteY10" fmla="*/ 125414 h 874713"/>
+                  <a:gd name="connsiteX11" fmla="*/ 744540 w 869954"/>
+                  <a:gd name="connsiteY11" fmla="*/ 0 h 874713"/>
+                </a:gdLst>
+                <a:ahLst/>
+                <a:cxnLst>
+                  <a:cxn ang="0">
+                    <a:pos x="connsiteX0" y="connsiteY0"/>
+                  </a:cxn>
+                  <a:cxn ang="0">
+                    <a:pos x="connsiteX1" y="connsiteY1"/>
+                  </a:cxn>
+                  <a:cxn ang="0">
+                    <a:pos x="connsiteX2" y="connsiteY2"/>
+                  </a:cxn>
+                  <a:cxn ang="0">
+                    <a:pos x="connsiteX3" y="connsiteY3"/>
+                  </a:cxn>
+                  <a:cxn ang="0">
+                    <a:pos x="connsiteX4" y="connsiteY4"/>
+                  </a:cxn>
+                  <a:cxn ang="0">
+                    <a:pos x="connsiteX5" y="connsiteY5"/>
+                  </a:cxn>
+                  <a:cxn ang="0">
+                    <a:pos x="connsiteX6" y="connsiteY6"/>
+                  </a:cxn>
+                  <a:cxn ang="0">
+                    <a:pos x="connsiteX7" y="connsiteY7"/>
+                  </a:cxn>
+                  <a:cxn ang="0">
+                    <a:pos x="connsiteX8" y="connsiteY8"/>
+                  </a:cxn>
+                  <a:cxn ang="0">
+                    <a:pos x="connsiteX9" y="connsiteY9"/>
+                  </a:cxn>
+                  <a:cxn ang="0">
+                    <a:pos x="connsiteX10" y="connsiteY10"/>
+                  </a:cxn>
+                  <a:cxn ang="0">
+                    <a:pos x="connsiteX11" y="connsiteY11"/>
+                  </a:cxn>
+                </a:cxnLst>
+                <a:rect l="l" t="t" r="r" b="b"/>
+                <a:pathLst>
+                  <a:path w="869954" h="874713">
+                    <a:moveTo>
+                      <a:pt x="744540" y="0"/>
+                    </a:moveTo>
+                    <a:cubicBezTo>
+                      <a:pt x="813804" y="0"/>
+                      <a:pt x="869954" y="56150"/>
+                      <a:pt x="869954" y="125414"/>
+                    </a:cubicBezTo>
+                    <a:cubicBezTo>
+                      <a:pt x="869954" y="319088"/>
+                      <a:pt x="869953" y="512763"/>
+                      <a:pt x="869953" y="706437"/>
+                    </a:cubicBezTo>
+                    <a:cubicBezTo>
+                      <a:pt x="869953" y="720724"/>
+                      <a:pt x="869952" y="735012"/>
+                      <a:pt x="869952" y="749299"/>
+                    </a:cubicBezTo>
+                    <a:cubicBezTo>
+                      <a:pt x="869952" y="818563"/>
+                      <a:pt x="813802" y="874713"/>
+                      <a:pt x="744538" y="874713"/>
+                    </a:cubicBezTo>
+                    <a:lnTo>
+                      <a:pt x="125414" y="874712"/>
+                    </a:lnTo>
+                    <a:cubicBezTo>
+                      <a:pt x="56150" y="874712"/>
+                      <a:pt x="0" y="818562"/>
+                      <a:pt x="0" y="749298"/>
+                    </a:cubicBezTo>
+                    <a:lnTo>
+                      <a:pt x="1" y="749299"/>
+                    </a:lnTo>
+                    <a:cubicBezTo>
+                      <a:pt x="1" y="680035"/>
+                      <a:pt x="56151" y="623885"/>
+                      <a:pt x="125415" y="623885"/>
+                    </a:cubicBezTo>
+                    <a:lnTo>
+                      <a:pt x="619126" y="623885"/>
+                    </a:lnTo>
+                    <a:lnTo>
+                      <a:pt x="619126" y="125414"/>
+                    </a:lnTo>
+                    <a:cubicBezTo>
+                      <a:pt x="619126" y="56150"/>
+                      <a:pt x="675276" y="0"/>
+                      <a:pt x="744540" y="0"/>
+                    </a:cubicBezTo>
+                    <a:close/>
+                  </a:path>
+                </a:pathLst>
+              </a:custGeom>
+              <a:grpFill/>
+              <a:ln>
+                <a:noFill/>
+                <a:headEnd type="none" w="med" len="med"/>
+                <a:tailEnd type="none" w="med" len="med"/>
+              </a:ln>
+              <a:effectLst/>
+            </p:spPr>
+            <p:style>
+              <a:lnRef idx="1">
+                <a:schemeClr val="accent2"/>
+              </a:lnRef>
+              <a:fillRef idx="3">
+                <a:schemeClr val="accent2"/>
+              </a:fillRef>
+              <a:effectRef idx="2">
+                <a:schemeClr val="accent2"/>
+              </a:effectRef>
+              <a:fontRef idx="minor">
+                <a:schemeClr val="lt1"/>
+              </a:fontRef>
+            </p:style>
+            <p:txBody>
+              <a:bodyPr lIns="91436" tIns="45718" rIns="91436" bIns="45718" anchor="ctr"/>
+              <a:lstStyle/>
+              <a:p>
+                <a:pPr marL="0" marR="0" lvl="0" indent="0" algn="ctr" defTabSz="685165" rtl="0" eaLnBrk="1" fontAlgn="base" latinLnBrk="0" hangingPunct="1">
+                  <a:spcBef>
+                    <a:spcPct val="0"/>
+                  </a:spcBef>
+                  <a:spcAft>
+                    <a:spcPct val="0"/>
+                  </a:spcAft>
+                  <a:buClrTx/>
+                  <a:buSzTx/>
+                  <a:buFontTx/>
+                  <a:buNone/>
+                  <a:defRPr/>
+                </a:pPr>
+                <a:endParaRPr kumimoji="0" lang="en-US" sz="1700" b="0" i="0" u="none" strike="noStrike" kern="1200" cap="none" spc="0" normalizeH="0" baseline="0" noProof="0" dirty="0">
+                  <a:ln>
+                    <a:noFill/>
+                  </a:ln>
+                  <a:gradFill>
+                    <a:gsLst>
+                      <a:gs pos="0">
+                        <a:srgbClr val="FFFFFF"/>
+                      </a:gs>
+                      <a:gs pos="100000">
+                        <a:srgbClr val="FFFFFF"/>
+                      </a:gs>
+                    </a:gsLst>
+                    <a:lin ang="5400000" scaled="0"/>
+                  </a:gradFill>
+                  <a:effectLst/>
+                  <a:uLnTx/>
+                  <a:uFillTx/>
+                  <a:latin typeface="+mn-lt"/>
+                  <a:ea typeface="+mn-ea"/>
+                  <a:cs typeface="+mn-cs"/>
+                </a:endParaRPr>
+              </a:p>
+            </p:txBody>
+          </p:sp>
+        </p:grpSp>
+      </p:grpSp>
+      <p:sp>
+        <p:nvSpPr>
+          <p:cNvPr id="2" name="文本框 8"/>
+          <p:cNvSpPr txBox="1"/>
+          <p:nvPr/>
+        </p:nvSpPr>
+        <p:spPr>
+          <a:xfrm>
+            <a:off x="6723063" y="5269548"/>
+            <a:ext cx="2379980" cy="400050"/>
+          </a:xfrm>
+          <a:prstGeom prst="rect">
+            <a:avLst/>
+          </a:prstGeom>
+          <a:noFill/>
+          <a:ln w="9525">
+            <a:noFill/>
+            <a:miter/>
+          </a:ln>
+        </p:spPr>
+        <p:txBody>
+          <a:bodyPr wrap="none" lIns="91438" tIns="45719" rIns="91438" bIns="45719">
+            <a:spAutoFit/>
+          </a:bodyPr>
+          <a:p>
+            <a:pPr lvl="0" eaLnBrk="1" hangingPunct="1"/>
+            <a:r>
+              <a:rPr lang="zh-CN" altLang="en-US" dirty="0">
+                <a:solidFill>
+                  <a:srgbClr val="FFFFFF"/>
+                </a:solidFill>
+                <a:latin typeface="Century Gothic" pitchFamily="34" charset="0"/>
+                <a:ea typeface="微软雅黑" pitchFamily="34" charset="-122"/>
+              </a:rPr>
+              <a:t>班级：</a:t>
+            </a:r>
+            <a:r>
+              <a:rPr lang="en-US" altLang="zh-CN" dirty="0">
+                <a:solidFill>
+                  <a:srgbClr val="FFFFFF"/>
+                </a:solidFill>
+                <a:latin typeface="Century Gothic" pitchFamily="34" charset="0"/>
+                <a:ea typeface="微软雅黑" pitchFamily="34" charset="-122"/>
+              </a:rPr>
+              <a:t>12</a:t>
+            </a:r>
+            <a:r>
+              <a:rPr lang="zh-CN" altLang="en-US" dirty="0">
+                <a:solidFill>
+                  <a:srgbClr val="FFFFFF"/>
+                </a:solidFill>
+                <a:latin typeface="Century Gothic" pitchFamily="34" charset="0"/>
+                <a:ea typeface="微软雅黑" pitchFamily="34" charset="-122"/>
+              </a:rPr>
+              <a:t>级软工一班</a:t>
+            </a:r>
+            <a:endParaRPr lang="zh-CN" altLang="en-US" dirty="0">
+              <a:solidFill>
+                <a:srgbClr val="FFFFFF"/>
+              </a:solidFill>
+              <a:latin typeface="Century Gothic" pitchFamily="34" charset="0"/>
+              <a:ea typeface="微软雅黑" pitchFamily="34" charset="-122"/>
+            </a:endParaRPr>
+          </a:p>
+        </p:txBody>
+      </p:sp>
+      <p:grpSp>
+        <p:nvGrpSpPr>
+          <p:cNvPr id="3" name="组合 23"/>
+          <p:cNvGrpSpPr/>
+          <p:nvPr/>
+        </p:nvGrpSpPr>
+        <p:grpSpPr>
+          <a:xfrm>
+            <a:off x="6170613" y="5179060"/>
+            <a:ext cx="552450" cy="552450"/>
+            <a:chOff x="3937978" y="5180856"/>
+            <a:chExt cx="552450" cy="552450"/>
+          </a:xfrm>
+        </p:grpSpPr>
+        <p:sp>
+          <p:nvSpPr>
+            <p:cNvPr id="5" name="椭圆 4"/>
+            <p:cNvSpPr/>
+            <p:nvPr/>
+          </p:nvSpPr>
+          <p:spPr>
+            <a:xfrm>
+              <a:off x="3937978" y="5180856"/>
+              <a:ext cx="552450" cy="552450"/>
+            </a:xfrm>
+            <a:prstGeom prst="ellipse">
+              <a:avLst/>
+            </a:prstGeom>
+            <a:solidFill>
+              <a:srgbClr val="FFC000"/>
+            </a:solidFill>
+            <a:ln>
+              <a:noFill/>
+            </a:ln>
+          </p:spPr>
+          <p:style>
+            <a:lnRef idx="2">
+              <a:schemeClr val="accent1">
+                <a:shade val="50000"/>
+              </a:schemeClr>
+            </a:lnRef>
+            <a:fillRef idx="1">
+              <a:schemeClr val="accent1"/>
+            </a:fillRef>
+            <a:effectRef idx="0">
+              <a:schemeClr val="accent1"/>
+            </a:effectRef>
+            <a:fontRef idx="minor">
+              <a:schemeClr val="lt1"/>
+            </a:fontRef>
+          </p:style>
+          <p:txBody>
+            <a:bodyPr anchor="ctr"/>
+            <a:p>
+              <a:pPr marL="0" marR="0" lvl="0" indent="0" algn="ctr" defTabSz="913765" rtl="0" eaLnBrk="1" latinLnBrk="0" hangingPunct="1">
+                <a:spcBef>
+                  <a:spcPts val="0"/>
+                </a:spcBef>
+                <a:spcAft>
+                  <a:spcPts val="0"/>
+                </a:spcAft>
+                <a:buClrTx/>
+                <a:buSzTx/>
+                <a:buFontTx/>
+                <a:buNone/>
+                <a:defRPr/>
+              </a:pPr>
+              <a:endParaRPr kumimoji="0" lang="zh-CN" altLang="en-US" sz="1900" b="0" i="0" u="none" strike="noStrike" kern="1200" cap="none" spc="0" normalizeH="0" baseline="0" noProof="0">
+                <a:ln>
+                  <a:noFill/>
+                </a:ln>
+                <a:solidFill>
+                  <a:schemeClr val="lt1"/>
+                </a:solidFill>
+                <a:effectLst/>
+                <a:uLnTx/>
+                <a:uFillTx/>
+                <a:latin typeface="+mn-lt"/>
+                <a:ea typeface="+mn-ea"/>
+                <a:cs typeface="+mn-cs"/>
+              </a:endParaRPr>
+            </a:p>
+          </p:txBody>
+        </p:sp>
+        <p:grpSp>
+          <p:nvGrpSpPr>
+            <p:cNvPr id="6" name="Group 38"/>
+            <p:cNvGrpSpPr/>
+            <p:nvPr/>
+          </p:nvGrpSpPr>
+          <p:grpSpPr>
+            <a:xfrm>
+              <a:off x="4022991" y="5324161"/>
+              <a:ext cx="348415" cy="247981"/>
+              <a:chOff x="5326857" y="2779521"/>
+              <a:chExt cx="2283619" cy="2167129"/>
+            </a:xfrm>
+            <a:solidFill>
+              <a:schemeClr val="bg1"/>
+            </a:solidFill>
+          </p:grpSpPr>
+          <p:sp>
+            <p:nvSpPr>
+              <p:cNvPr id="7" name="Freeform 45"/>
+              <p:cNvSpPr/>
+              <p:nvPr/>
+            </p:nvSpPr>
+            <p:spPr>
+              <a:xfrm>
+                <a:off x="5326857" y="3228975"/>
+                <a:ext cx="1147085" cy="1083469"/>
+              </a:xfrm>
+              <a:custGeom>
+                <a:avLst/>
+                <a:gdLst>
+                  <a:gd name="connsiteX0" fmla="*/ 1090612 w 1147085"/>
+                  <a:gd name="connsiteY0" fmla="*/ 0 h 1083469"/>
+                  <a:gd name="connsiteX1" fmla="*/ 1147085 w 1147085"/>
+                  <a:gd name="connsiteY1" fmla="*/ 460567 h 1083469"/>
+                  <a:gd name="connsiteX2" fmla="*/ 1078295 w 1147085"/>
+                  <a:gd name="connsiteY2" fmla="*/ 504743 h 1083469"/>
+                  <a:gd name="connsiteX3" fmla="*/ 1025237 w 1147085"/>
+                  <a:gd name="connsiteY3" fmla="*/ 72025 h 1083469"/>
+                  <a:gd name="connsiteX4" fmla="*/ 79622 w 1147085"/>
+                  <a:gd name="connsiteY4" fmla="*/ 171129 h 1083469"/>
+                  <a:gd name="connsiteX5" fmla="*/ 186985 w 1147085"/>
+                  <a:gd name="connsiteY5" fmla="*/ 990798 h 1083469"/>
+                  <a:gd name="connsiteX6" fmla="*/ 186985 w 1147085"/>
+                  <a:gd name="connsiteY6" fmla="*/ 1011445 h 1083469"/>
+                  <a:gd name="connsiteX7" fmla="*/ 977729 w 1147085"/>
+                  <a:gd name="connsiteY7" fmla="*/ 857154 h 1083469"/>
+                  <a:gd name="connsiteX8" fmla="*/ 977729 w 1147085"/>
+                  <a:gd name="connsiteY8" fmla="*/ 916854 h 1083469"/>
+                  <a:gd name="connsiteX9" fmla="*/ 123825 w 1147085"/>
+                  <a:gd name="connsiteY9" fmla="*/ 1083469 h 1083469"/>
+                  <a:gd name="connsiteX10" fmla="*/ 0 w 1147085"/>
+                  <a:gd name="connsiteY10" fmla="*/ 114300 h 1083469"/>
+                  <a:gd name="connsiteX11" fmla="*/ 1090612 w 1147085"/>
+                  <a:gd name="connsiteY11" fmla="*/ 0 h 1083469"/>
+                  <a:gd name="connsiteX0-1" fmla="*/ 1090612 w 1147085"/>
+                  <a:gd name="connsiteY0-2" fmla="*/ 0 h 1083469"/>
+                  <a:gd name="connsiteX1-3" fmla="*/ 1147085 w 1147085"/>
+                  <a:gd name="connsiteY1-4" fmla="*/ 460567 h 1083469"/>
+                  <a:gd name="connsiteX2-5" fmla="*/ 1078295 w 1147085"/>
+                  <a:gd name="connsiteY2-6" fmla="*/ 504743 h 1083469"/>
+                  <a:gd name="connsiteX3-7" fmla="*/ 1025237 w 1147085"/>
+                  <a:gd name="connsiteY3-8" fmla="*/ 72025 h 1083469"/>
+                  <a:gd name="connsiteX4-9" fmla="*/ 79622 w 1147085"/>
+                  <a:gd name="connsiteY4-10" fmla="*/ 171129 h 1083469"/>
+                  <a:gd name="connsiteX5-11" fmla="*/ 186985 w 1147085"/>
+                  <a:gd name="connsiteY5-12" fmla="*/ 1011445 h 1083469"/>
+                  <a:gd name="connsiteX6-13" fmla="*/ 977729 w 1147085"/>
+                  <a:gd name="connsiteY6-14" fmla="*/ 857154 h 1083469"/>
+                  <a:gd name="connsiteX7-15" fmla="*/ 977729 w 1147085"/>
+                  <a:gd name="connsiteY7-16" fmla="*/ 916854 h 1083469"/>
+                  <a:gd name="connsiteX8-17" fmla="*/ 123825 w 1147085"/>
+                  <a:gd name="connsiteY8-18" fmla="*/ 1083469 h 1083469"/>
+                  <a:gd name="connsiteX9-19" fmla="*/ 0 w 1147085"/>
+                  <a:gd name="connsiteY9-20" fmla="*/ 114300 h 1083469"/>
+                  <a:gd name="connsiteX10-21" fmla="*/ 1090612 w 1147085"/>
+                  <a:gd name="connsiteY10-22" fmla="*/ 0 h 1083469"/>
+                </a:gdLst>
+                <a:ahLst/>
+                <a:cxnLst>
+                  <a:cxn ang="0">
+                    <a:pos x="connsiteX0-1" y="connsiteY0-2"/>
+                  </a:cxn>
+                  <a:cxn ang="0">
+                    <a:pos x="connsiteX1-3" y="connsiteY1-4"/>
+                  </a:cxn>
+                  <a:cxn ang="0">
+                    <a:pos x="connsiteX2-5" y="connsiteY2-6"/>
+                  </a:cxn>
+                  <a:cxn ang="0">
+                    <a:pos x="connsiteX3-7" y="connsiteY3-8"/>
+                  </a:cxn>
+                  <a:cxn ang="0">
+                    <a:pos x="connsiteX4-9" y="connsiteY4-10"/>
+                  </a:cxn>
+                  <a:cxn ang="0">
+                    <a:pos x="connsiteX5-11" y="connsiteY5-12"/>
+                  </a:cxn>
+                  <a:cxn ang="0">
+                    <a:pos x="connsiteX6-13" y="connsiteY6-14"/>
+                  </a:cxn>
+                  <a:cxn ang="0">
+                    <a:pos x="connsiteX7-15" y="connsiteY7-16"/>
+                  </a:cxn>
+                  <a:cxn ang="0">
+                    <a:pos x="connsiteX8-17" y="connsiteY8-18"/>
+                  </a:cxn>
+                  <a:cxn ang="0">
+                    <a:pos x="connsiteX9-19" y="connsiteY9-20"/>
+                  </a:cxn>
+                  <a:cxn ang="0">
+                    <a:pos x="connsiteX10-21" y="connsiteY10-22"/>
+                  </a:cxn>
+                </a:cxnLst>
+                <a:rect l="l" t="t" r="r" b="b"/>
+                <a:pathLst>
+                  <a:path w="1147085" h="1083469">
+                    <a:moveTo>
+                      <a:pt x="1090612" y="0"/>
+                    </a:moveTo>
+                    <a:lnTo>
+                      <a:pt x="1147085" y="460567"/>
+                    </a:lnTo>
+                    <a:cubicBezTo>
+                      <a:pt x="1121629" y="471368"/>
+                      <a:pt x="1098257" y="486098"/>
+                      <a:pt x="1078295" y="504743"/>
+                    </a:cubicBezTo>
+                    <a:lnTo>
+                      <a:pt x="1025237" y="72025"/>
+                    </a:lnTo>
+                    <a:lnTo>
+                      <a:pt x="79622" y="171129"/>
+                    </a:lnTo>
+                    <a:lnTo>
+                      <a:pt x="186985" y="1011445"/>
+                    </a:lnTo>
+                    <a:lnTo>
+                      <a:pt x="977729" y="857154"/>
+                    </a:lnTo>
+                    <a:lnTo>
+                      <a:pt x="977729" y="916854"/>
+                    </a:lnTo>
+                    <a:lnTo>
+                      <a:pt x="123825" y="1083469"/>
+                    </a:lnTo>
+                    <a:lnTo>
+                      <a:pt x="0" y="114300"/>
+                    </a:lnTo>
+                    <a:lnTo>
+                      <a:pt x="1090612" y="0"/>
+                    </a:lnTo>
+                    <a:close/>
+                  </a:path>
+                </a:pathLst>
+              </a:custGeom>
+              <a:grpFill/>
+              <a:ln>
+                <a:noFill/>
+                <a:headEnd type="none" w="med" len="med"/>
+                <a:tailEnd type="none" w="med" len="med"/>
+              </a:ln>
+              <a:effectLst/>
+            </p:spPr>
+            <p:style>
+              <a:lnRef idx="1">
+                <a:schemeClr val="accent2"/>
+              </a:lnRef>
+              <a:fillRef idx="3">
+                <a:schemeClr val="accent2"/>
+              </a:fillRef>
+              <a:effectRef idx="2">
+                <a:schemeClr val="accent2"/>
+              </a:effectRef>
+              <a:fontRef idx="minor">
+                <a:schemeClr val="lt1"/>
+              </a:fontRef>
+            </p:style>
+            <p:txBody>
+              <a:bodyPr lIns="91436" tIns="45718" rIns="91436" bIns="45718" anchor="ctr"/>
+              <a:p>
+                <a:pPr marL="0" marR="0" lvl="0" indent="0" algn="ctr" defTabSz="685165" rtl="0" eaLnBrk="1" fontAlgn="base" latinLnBrk="0" hangingPunct="1">
+                  <a:spcBef>
+                    <a:spcPct val="0"/>
+                  </a:spcBef>
+                  <a:spcAft>
+                    <a:spcPct val="0"/>
+                  </a:spcAft>
+                  <a:buClrTx/>
+                  <a:buSzTx/>
+                  <a:buFontTx/>
+                  <a:buNone/>
+                  <a:defRPr/>
+                </a:pPr>
+                <a:endParaRPr kumimoji="0" lang="en-US" sz="1700" b="0" i="0" u="none" strike="noStrike" kern="1200" cap="none" spc="0" normalizeH="0" baseline="0" noProof="0" dirty="0">
+                  <a:ln>
+                    <a:noFill/>
+                  </a:ln>
+                  <a:gradFill>
+                    <a:gsLst>
+                      <a:gs pos="0">
+                        <a:srgbClr val="FFFFFF"/>
+                      </a:gs>
+                      <a:gs pos="100000">
+                        <a:srgbClr val="FFFFFF"/>
+                      </a:gs>
+                    </a:gsLst>
+                    <a:lin ang="5400000" scaled="0"/>
+                  </a:gradFill>
+                  <a:effectLst/>
+                  <a:uLnTx/>
+                  <a:uFillTx/>
+                  <a:latin typeface="+mn-lt"/>
+                  <a:ea typeface="+mn-ea"/>
+                  <a:cs typeface="+mn-cs"/>
+                </a:endParaRPr>
+              </a:p>
+            </p:txBody>
+          </p:sp>
+          <p:sp>
+            <p:nvSpPr>
+              <p:cNvPr id="8" name="Oval 23"/>
+              <p:cNvSpPr/>
+              <p:nvPr/>
+            </p:nvSpPr>
+            <p:spPr bwMode="auto">
+              <a:xfrm>
+                <a:off x="5472973" y="4217016"/>
+                <a:ext cx="831613" cy="515322"/>
+              </a:xfrm>
+              <a:custGeom>
+                <a:avLst/>
+                <a:gdLst/>
+                <a:ahLst/>
+                <a:cxnLst/>
+                <a:rect l="l" t="t" r="r" b="b"/>
+                <a:pathLst>
+                  <a:path w="831613" h="515322">
+                    <a:moveTo>
+                      <a:pt x="656506" y="0"/>
+                    </a:moveTo>
+                    <a:cubicBezTo>
+                      <a:pt x="722980" y="12459"/>
+                      <a:pt x="782484" y="33487"/>
+                      <a:pt x="831613" y="60220"/>
+                    </a:cubicBezTo>
+                    <a:lnTo>
+                      <a:pt x="831613" y="156807"/>
+                    </a:lnTo>
+                    <a:lnTo>
+                      <a:pt x="790343" y="156807"/>
+                    </a:lnTo>
+                    <a:cubicBezTo>
+                      <a:pt x="689578" y="156807"/>
+                      <a:pt x="607892" y="247187"/>
+                      <a:pt x="607892" y="358678"/>
+                    </a:cubicBezTo>
+                    <a:cubicBezTo>
+                      <a:pt x="607892" y="412735"/>
+                      <a:pt x="627095" y="461830"/>
+                      <a:pt x="658968" y="497546"/>
+                    </a:cubicBezTo>
+                    <a:cubicBezTo>
+                      <a:pt x="605816" y="509342"/>
+                      <a:pt x="548050" y="515322"/>
+                      <a:pt x="487726" y="515322"/>
+                    </a:cubicBezTo>
+                    <a:cubicBezTo>
+                      <a:pt x="218362" y="515322"/>
+                      <a:pt x="0" y="396081"/>
+                      <a:pt x="0" y="248990"/>
+                    </a:cubicBezTo>
+                    <a:cubicBezTo>
+                      <a:pt x="0" y="198934"/>
+                      <a:pt x="25288" y="152104"/>
+                      <a:pt x="70263" y="113194"/>
+                    </a:cubicBezTo>
+                    <a:close/>
+                  </a:path>
+                </a:pathLst>
+              </a:custGeom>
+              <a:grpFill/>
+              <a:ln>
+                <a:noFill/>
+                <a:headEnd type="none" w="med" len="med"/>
+                <a:tailEnd type="none" w="med" len="med"/>
+              </a:ln>
+              <a:effectLst/>
+            </p:spPr>
+            <p:style>
+              <a:lnRef idx="1">
+                <a:schemeClr val="accent2"/>
+              </a:lnRef>
+              <a:fillRef idx="3">
+                <a:schemeClr val="accent2"/>
+              </a:fillRef>
+              <a:effectRef idx="2">
+                <a:schemeClr val="accent2"/>
+              </a:effectRef>
+              <a:fontRef idx="minor">
+                <a:schemeClr val="lt1"/>
+              </a:fontRef>
+            </p:style>
+            <p:txBody>
+              <a:bodyPr lIns="91436" tIns="45718" rIns="91436" bIns="45718" anchor="ctr"/>
+              <a:p>
+                <a:pPr marL="0" marR="0" lvl="0" indent="0" algn="ctr" defTabSz="685165" rtl="0" eaLnBrk="1" fontAlgn="base" latinLnBrk="0" hangingPunct="1">
+                  <a:spcBef>
+                    <a:spcPct val="0"/>
+                  </a:spcBef>
+                  <a:spcAft>
+                    <a:spcPct val="0"/>
+                  </a:spcAft>
+                  <a:buClrTx/>
+                  <a:buSzTx/>
+                  <a:buFontTx/>
+                  <a:buNone/>
+                  <a:defRPr/>
+                </a:pPr>
+                <a:endParaRPr kumimoji="0" lang="en-US" sz="1700" b="0" i="0" u="none" strike="noStrike" kern="1200" cap="none" spc="0" normalizeH="0" baseline="0" noProof="0" dirty="0">
+                  <a:ln>
+                    <a:noFill/>
+                  </a:ln>
+                  <a:gradFill>
+                    <a:gsLst>
+                      <a:gs pos="0">
+                        <a:srgbClr val="FFFFFF"/>
+                      </a:gs>
+                      <a:gs pos="100000">
+                        <a:srgbClr val="FFFFFF"/>
+                      </a:gs>
+                    </a:gsLst>
+                    <a:lin ang="5400000" scaled="0"/>
+                  </a:gradFill>
+                  <a:effectLst/>
+                  <a:uLnTx/>
+                  <a:uFillTx/>
+                  <a:latin typeface="+mn-lt"/>
+                  <a:ea typeface="+mn-ea"/>
+                  <a:cs typeface="+mn-cs"/>
+                </a:endParaRPr>
+              </a:p>
+            </p:txBody>
+          </p:sp>
+          <p:sp>
+            <p:nvSpPr>
+              <p:cNvPr id="9" name="Rounded Rectangle 13"/>
+              <p:cNvSpPr/>
+              <p:nvPr/>
+            </p:nvSpPr>
+            <p:spPr bwMode="auto">
+              <a:xfrm>
+                <a:off x="6127748" y="3705225"/>
+                <a:ext cx="1375518" cy="1241425"/>
+              </a:xfrm>
+              <a:custGeom>
+                <a:avLst/>
+                <a:gdLst/>
+                <a:ahLst/>
+                <a:cxnLst/>
+                <a:rect l="l" t="t" r="r" b="b"/>
+                <a:pathLst>
+                  <a:path w="1375518" h="1241425">
+                    <a:moveTo>
+                      <a:pt x="880211" y="0"/>
+                    </a:moveTo>
+                    <a:lnTo>
+                      <a:pt x="1125002" y="0"/>
+                    </a:lnTo>
+                    <a:cubicBezTo>
+                      <a:pt x="1202113" y="0"/>
+                      <a:pt x="1271265" y="34077"/>
+                      <a:pt x="1317403" y="88704"/>
+                    </a:cubicBezTo>
+                    <a:cubicBezTo>
+                      <a:pt x="1244331" y="103169"/>
+                      <a:pt x="1190628" y="168346"/>
+                      <a:pt x="1190628" y="246066"/>
+                    </a:cubicBezTo>
+                    <a:lnTo>
+                      <a:pt x="1190628" y="708029"/>
+                    </a:lnTo>
+                    <a:lnTo>
+                      <a:pt x="929175" y="708029"/>
+                    </a:lnTo>
+                    <a:lnTo>
+                      <a:pt x="803618" y="172438"/>
+                    </a:lnTo>
+                    <a:close/>
+                    <a:moveTo>
+                      <a:pt x="481554" y="0"/>
+                    </a:moveTo>
+                    <a:lnTo>
+                      <a:pt x="726347" y="0"/>
+                    </a:lnTo>
+                    <a:lnTo>
+                      <a:pt x="802940" y="172436"/>
+                    </a:lnTo>
+                    <a:lnTo>
+                      <a:pt x="674361" y="720915"/>
+                    </a:lnTo>
+                    <a:cubicBezTo>
+                      <a:pt x="614856" y="745801"/>
+                      <a:pt x="573090" y="804586"/>
+                      <a:pt x="573090" y="873128"/>
+                    </a:cubicBezTo>
+                    <a:cubicBezTo>
+                      <a:pt x="573090" y="964310"/>
+                      <a:pt x="647007" y="1038227"/>
+                      <a:pt x="738189" y="1038227"/>
+                    </a:cubicBezTo>
+                    <a:lnTo>
+                      <a:pt x="1375518" y="1038227"/>
+                    </a:lnTo>
+                    <a:cubicBezTo>
+                      <a:pt x="1351252" y="1154299"/>
+                      <a:pt x="1248302" y="1241425"/>
+                      <a:pt x="1125002" y="1241425"/>
+                    </a:cubicBezTo>
+                    <a:lnTo>
+                      <a:pt x="481554" y="1241425"/>
+                    </a:lnTo>
+                    <a:cubicBezTo>
+                      <a:pt x="358254" y="1241425"/>
+                      <a:pt x="255302" y="1154298"/>
+                      <a:pt x="231037" y="1038224"/>
+                    </a:cubicBezTo>
+                    <a:lnTo>
+                      <a:pt x="165099" y="1038224"/>
+                    </a:lnTo>
+                    <a:cubicBezTo>
+                      <a:pt x="73917" y="1038224"/>
+                      <a:pt x="0" y="964307"/>
+                      <a:pt x="0" y="873125"/>
+                    </a:cubicBezTo>
+                    <a:cubicBezTo>
+                      <a:pt x="0" y="781943"/>
+                      <a:pt x="73917" y="708026"/>
+                      <a:pt x="165099" y="708026"/>
+                    </a:cubicBezTo>
+                    <a:lnTo>
+                      <a:pt x="225428" y="708026"/>
+                    </a:lnTo>
+                    <a:lnTo>
+                      <a:pt x="225428" y="256126"/>
+                    </a:lnTo>
+                    <a:cubicBezTo>
+                      <a:pt x="225428" y="114672"/>
+                      <a:pt x="340100" y="0"/>
+                      <a:pt x="481554" y="0"/>
+                    </a:cubicBezTo>
+                    <a:close/>
+                  </a:path>
+                </a:pathLst>
+              </a:custGeom>
+              <a:grpFill/>
+              <a:ln>
+                <a:noFill/>
+                <a:headEnd type="none" w="med" len="med"/>
+                <a:tailEnd type="none" w="med" len="med"/>
+              </a:ln>
+              <a:effectLst/>
+            </p:spPr>
+            <p:style>
+              <a:lnRef idx="1">
+                <a:schemeClr val="accent2"/>
+              </a:lnRef>
+              <a:fillRef idx="3">
+                <a:schemeClr val="accent2"/>
+              </a:fillRef>
+              <a:effectRef idx="2">
+                <a:schemeClr val="accent2"/>
+              </a:effectRef>
+              <a:fontRef idx="minor">
+                <a:schemeClr val="lt1"/>
+              </a:fontRef>
+            </p:style>
+            <p:txBody>
+              <a:bodyPr lIns="91436" tIns="45718" rIns="91436" bIns="45718" anchor="ctr"/>
+              <a:p>
+                <a:pPr marL="0" marR="0" lvl="0" indent="0" algn="ctr" defTabSz="685165" rtl="0" eaLnBrk="1" fontAlgn="base" latinLnBrk="0" hangingPunct="1">
+                  <a:spcBef>
+                    <a:spcPct val="0"/>
+                  </a:spcBef>
+                  <a:spcAft>
+                    <a:spcPct val="0"/>
+                  </a:spcAft>
+                  <a:buClrTx/>
+                  <a:buSzTx/>
+                  <a:buFontTx/>
+                  <a:buNone/>
+                  <a:defRPr/>
+                </a:pPr>
+                <a:endParaRPr kumimoji="0" lang="en-US" sz="1700" b="0" i="0" u="none" strike="noStrike" kern="1200" cap="none" spc="0" normalizeH="0" baseline="0" noProof="0" dirty="0">
+                  <a:ln>
+                    <a:noFill/>
+                  </a:ln>
+                  <a:gradFill>
+                    <a:gsLst>
+                      <a:gs pos="0">
+                        <a:srgbClr val="FFFFFF"/>
+                      </a:gs>
+                      <a:gs pos="100000">
+                        <a:srgbClr val="FFFFFF"/>
+                      </a:gs>
+                    </a:gsLst>
+                    <a:lin ang="5400000" scaled="0"/>
+                  </a:gradFill>
+                  <a:effectLst/>
+                  <a:uLnTx/>
+                  <a:uFillTx/>
+                  <a:latin typeface="+mn-lt"/>
+                  <a:ea typeface="+mn-ea"/>
+                  <a:cs typeface="+mn-cs"/>
+                </a:endParaRPr>
+              </a:p>
+            </p:txBody>
+          </p:sp>
+          <p:sp>
+            <p:nvSpPr>
+              <p:cNvPr id="10" name="Oval 57"/>
+              <p:cNvSpPr/>
+              <p:nvPr/>
+            </p:nvSpPr>
+            <p:spPr bwMode="auto">
+              <a:xfrm>
+                <a:off x="6524624" y="2779521"/>
+                <a:ext cx="835025" cy="835025"/>
+              </a:xfrm>
+              <a:prstGeom prst="ellipse">
+                <a:avLst/>
+              </a:prstGeom>
+              <a:grpFill/>
+              <a:ln>
+                <a:noFill/>
+                <a:headEnd type="none" w="med" len="med"/>
+                <a:tailEnd type="none" w="med" len="med"/>
+              </a:ln>
+              <a:effectLst/>
+            </p:spPr>
+            <p:style>
+              <a:lnRef idx="1">
+                <a:schemeClr val="accent2"/>
+              </a:lnRef>
+              <a:fillRef idx="3">
+                <a:schemeClr val="accent2"/>
+              </a:fillRef>
+              <a:effectRef idx="2">
+                <a:schemeClr val="accent2"/>
+              </a:effectRef>
+              <a:fontRef idx="minor">
+                <a:schemeClr val="lt1"/>
+              </a:fontRef>
+            </p:style>
+            <p:txBody>
+              <a:bodyPr lIns="91436" tIns="45718" rIns="91436" bIns="45718" anchor="ctr"/>
+              <a:p>
+                <a:pPr marL="0" marR="0" lvl="0" indent="0" algn="ctr" defTabSz="685165" rtl="0" eaLnBrk="1" fontAlgn="base" latinLnBrk="0" hangingPunct="1">
+                  <a:spcBef>
+                    <a:spcPct val="0"/>
+                  </a:spcBef>
+                  <a:spcAft>
+                    <a:spcPct val="0"/>
+                  </a:spcAft>
+                  <a:buClrTx/>
+                  <a:buSzTx/>
+                  <a:buFontTx/>
+                  <a:buNone/>
+                  <a:defRPr/>
+                </a:pPr>
+                <a:endParaRPr kumimoji="0" lang="en-US" sz="1700" b="0" i="0" u="none" strike="noStrike" kern="1200" cap="none" spc="0" normalizeH="0" baseline="0" noProof="0" dirty="0">
+                  <a:ln>
+                    <a:noFill/>
+                  </a:ln>
+                  <a:gradFill>
+                    <a:gsLst>
+                      <a:gs pos="0">
+                        <a:srgbClr val="FFFFFF"/>
+                      </a:gs>
+                      <a:gs pos="100000">
+                        <a:srgbClr val="FFFFFF"/>
+                      </a:gs>
+                    </a:gsLst>
+                    <a:lin ang="5400000" scaled="0"/>
+                  </a:gradFill>
+                  <a:effectLst/>
+                  <a:uLnTx/>
+                  <a:uFillTx/>
+                  <a:latin typeface="+mn-lt"/>
+                  <a:ea typeface="+mn-ea"/>
+                  <a:cs typeface="+mn-cs"/>
+                </a:endParaRPr>
+              </a:p>
+            </p:txBody>
+          </p:sp>
+          <p:sp>
+            <p:nvSpPr>
+              <p:cNvPr id="13" name="Rounded Rectangle 14"/>
+              <p:cNvSpPr/>
+              <p:nvPr/>
+            </p:nvSpPr>
+            <p:spPr bwMode="auto">
+              <a:xfrm>
+                <a:off x="6740522" y="3829050"/>
+                <a:ext cx="869954" cy="874713"/>
+              </a:xfrm>
+              <a:custGeom>
+                <a:avLst/>
+                <a:gdLst>
+                  <a:gd name="connsiteX0" fmla="*/ 744540 w 869954"/>
+                  <a:gd name="connsiteY0" fmla="*/ 0 h 874713"/>
+                  <a:gd name="connsiteX1" fmla="*/ 869954 w 869954"/>
+                  <a:gd name="connsiteY1" fmla="*/ 125414 h 874713"/>
+                  <a:gd name="connsiteX2" fmla="*/ 869953 w 869954"/>
+                  <a:gd name="connsiteY2" fmla="*/ 706437 h 874713"/>
+                  <a:gd name="connsiteX3" fmla="*/ 869952 w 869954"/>
+                  <a:gd name="connsiteY3" fmla="*/ 749299 h 874713"/>
+                  <a:gd name="connsiteX4" fmla="*/ 744538 w 869954"/>
+                  <a:gd name="connsiteY4" fmla="*/ 874713 h 874713"/>
+                  <a:gd name="connsiteX5" fmla="*/ 125414 w 869954"/>
+                  <a:gd name="connsiteY5" fmla="*/ 874712 h 874713"/>
+                  <a:gd name="connsiteX6" fmla="*/ 0 w 869954"/>
+                  <a:gd name="connsiteY6" fmla="*/ 749298 h 874713"/>
+                  <a:gd name="connsiteX7" fmla="*/ 1 w 869954"/>
+                  <a:gd name="connsiteY7" fmla="*/ 749299 h 874713"/>
+                  <a:gd name="connsiteX8" fmla="*/ 125415 w 869954"/>
+                  <a:gd name="connsiteY8" fmla="*/ 623885 h 874713"/>
+                  <a:gd name="connsiteX9" fmla="*/ 619126 w 869954"/>
+                  <a:gd name="connsiteY9" fmla="*/ 623885 h 874713"/>
+                  <a:gd name="connsiteX10" fmla="*/ 619126 w 869954"/>
+                  <a:gd name="connsiteY10" fmla="*/ 125414 h 874713"/>
+                  <a:gd name="connsiteX11" fmla="*/ 744540 w 869954"/>
+                  <a:gd name="connsiteY11" fmla="*/ 0 h 874713"/>
+                </a:gdLst>
+                <a:ahLst/>
+                <a:cxnLst>
+                  <a:cxn ang="0">
+                    <a:pos x="connsiteX0" y="connsiteY0"/>
+                  </a:cxn>
+                  <a:cxn ang="0">
+                    <a:pos x="connsiteX1" y="connsiteY1"/>
+                  </a:cxn>
+                  <a:cxn ang="0">
+                    <a:pos x="connsiteX2" y="connsiteY2"/>
+                  </a:cxn>
+                  <a:cxn ang="0">
+                    <a:pos x="connsiteX3" y="connsiteY3"/>
+                  </a:cxn>
+                  <a:cxn ang="0">
+                    <a:pos x="connsiteX4" y="connsiteY4"/>
+                  </a:cxn>
+                  <a:cxn ang="0">
+                    <a:pos x="connsiteX5" y="connsiteY5"/>
+                  </a:cxn>
+                  <a:cxn ang="0">
+                    <a:pos x="connsiteX6" y="connsiteY6"/>
+                  </a:cxn>
+                  <a:cxn ang="0">
+                    <a:pos x="connsiteX7" y="connsiteY7"/>
+                  </a:cxn>
+                  <a:cxn ang="0">
+                    <a:pos x="connsiteX8" y="connsiteY8"/>
+                  </a:cxn>
+                  <a:cxn ang="0">
+                    <a:pos x="connsiteX9" y="connsiteY9"/>
+                  </a:cxn>
+                  <a:cxn ang="0">
+                    <a:pos x="connsiteX10" y="connsiteY10"/>
+                  </a:cxn>
+                  <a:cxn ang="0">
+                    <a:pos x="connsiteX11" y="connsiteY11"/>
+                  </a:cxn>
+                </a:cxnLst>
+                <a:rect l="l" t="t" r="r" b="b"/>
+                <a:pathLst>
+                  <a:path w="869954" h="874713">
+                    <a:moveTo>
+                      <a:pt x="744540" y="0"/>
+                    </a:moveTo>
+                    <a:cubicBezTo>
+                      <a:pt x="813804" y="0"/>
+                      <a:pt x="869954" y="56150"/>
+                      <a:pt x="869954" y="125414"/>
+                    </a:cubicBezTo>
+                    <a:cubicBezTo>
+                      <a:pt x="869954" y="319088"/>
+                      <a:pt x="869953" y="512763"/>
+                      <a:pt x="869953" y="706437"/>
+                    </a:cubicBezTo>
+                    <a:cubicBezTo>
+                      <a:pt x="869953" y="720724"/>
+                      <a:pt x="869952" y="735012"/>
+                      <a:pt x="869952" y="749299"/>
+                    </a:cubicBezTo>
+                    <a:cubicBezTo>
+                      <a:pt x="869952" y="818563"/>
+                      <a:pt x="813802" y="874713"/>
+                      <a:pt x="744538" y="874713"/>
+                    </a:cubicBezTo>
+                    <a:lnTo>
+                      <a:pt x="125414" y="874712"/>
+                    </a:lnTo>
+                    <a:cubicBezTo>
+                      <a:pt x="56150" y="874712"/>
+                      <a:pt x="0" y="818562"/>
+                      <a:pt x="0" y="749298"/>
+                    </a:cubicBezTo>
+                    <a:lnTo>
+                      <a:pt x="1" y="749299"/>
+                    </a:lnTo>
+                    <a:cubicBezTo>
+                      <a:pt x="1" y="680035"/>
+                      <a:pt x="56151" y="623885"/>
+                      <a:pt x="125415" y="623885"/>
+                    </a:cubicBezTo>
+                    <a:lnTo>
+                      <a:pt x="619126" y="623885"/>
+                    </a:lnTo>
+                    <a:lnTo>
+                      <a:pt x="619126" y="125414"/>
+                    </a:lnTo>
+                    <a:cubicBezTo>
+                      <a:pt x="619126" y="56150"/>
+                      <a:pt x="675276" y="0"/>
+                      <a:pt x="744540" y="0"/>
+                    </a:cubicBezTo>
+                    <a:close/>
+                  </a:path>
+                </a:pathLst>
+              </a:custGeom>
+              <a:grpFill/>
+              <a:ln>
+                <a:noFill/>
+                <a:headEnd type="none" w="med" len="med"/>
+                <a:tailEnd type="none" w="med" len="med"/>
+              </a:ln>
+              <a:effectLst/>
+            </p:spPr>
+            <p:style>
+              <a:lnRef idx="1">
+                <a:schemeClr val="accent2"/>
+              </a:lnRef>
+              <a:fillRef idx="3">
+                <a:schemeClr val="accent2"/>
+              </a:fillRef>
+              <a:effectRef idx="2">
+                <a:schemeClr val="accent2"/>
+              </a:effectRef>
+              <a:fontRef idx="minor">
+                <a:schemeClr val="lt1"/>
+              </a:fontRef>
+            </p:style>
+            <p:txBody>
+              <a:bodyPr lIns="91436" tIns="45718" rIns="91436" bIns="45718" anchor="ctr"/>
+              <a:p>
+                <a:pPr marL="0" marR="0" lvl="0" indent="0" algn="ctr" defTabSz="685165" rtl="0" eaLnBrk="1" fontAlgn="base" latinLnBrk="0" hangingPunct="1">
+                  <a:spcBef>
+                    <a:spcPct val="0"/>
+                  </a:spcBef>
+                  <a:spcAft>
+                    <a:spcPct val="0"/>
+                  </a:spcAft>
+                  <a:buClrTx/>
+                  <a:buSzTx/>
+                  <a:buFontTx/>
+                  <a:buNone/>
+                  <a:defRPr/>
+                </a:pPr>
+                <a:endParaRPr kumimoji="0" lang="en-US" sz="1700" b="0" i="0" u="none" strike="noStrike" kern="1200" cap="none" spc="0" normalizeH="0" baseline="0" noProof="0" dirty="0">
+                  <a:ln>
+                    <a:noFill/>
+                  </a:ln>
+                  <a:gradFill>
+                    <a:gsLst>
+                      <a:gs pos="0">
+                        <a:srgbClr val="FFFFFF"/>
+                      </a:gs>
+                      <a:gs pos="100000">
+                        <a:srgbClr val="FFFFFF"/>
+                      </a:gs>
+                    </a:gsLst>
+                    <a:lin ang="5400000" scaled="0"/>
+                  </a:gradFill>
+                  <a:effectLst/>
+                  <a:uLnTx/>
+                  <a:uFillTx/>
+                  <a:latin typeface="+mn-lt"/>
+                  <a:ea typeface="+mn-ea"/>
+                  <a:cs typeface="+mn-cs"/>
+                </a:endParaRPr>
+              </a:p>
+            </p:txBody>
+          </p:sp>
+        </p:grpSp>
+      </p:grpSp>
+      <p:sp>
+        <p:nvSpPr>
+          <p:cNvPr id="14" name="文本框 8"/>
+          <p:cNvSpPr txBox="1"/>
+          <p:nvPr/>
+        </p:nvSpPr>
+        <p:spPr>
+          <a:xfrm>
+            <a:off x="9764713" y="5310188"/>
+            <a:ext cx="2111375" cy="400050"/>
+          </a:xfrm>
+          <a:prstGeom prst="rect">
+            <a:avLst/>
+          </a:prstGeom>
+          <a:noFill/>
+          <a:ln w="9525">
+            <a:noFill/>
+            <a:miter/>
+          </a:ln>
+        </p:spPr>
+        <p:txBody>
+          <a:bodyPr wrap="none" lIns="91438" tIns="45719" rIns="91438" bIns="45719">
+            <a:spAutoFit/>
+          </a:bodyPr>
+          <a:p>
+            <a:pPr lvl="0" eaLnBrk="1" hangingPunct="1"/>
+            <a:r>
+              <a:rPr lang="zh-CN" altLang="en-US" dirty="0">
+                <a:solidFill>
+                  <a:srgbClr val="FFFFFF"/>
+                </a:solidFill>
+                <a:latin typeface="Century Gothic" pitchFamily="34" charset="0"/>
+                <a:ea typeface="微软雅黑" pitchFamily="34" charset="-122"/>
+              </a:rPr>
+              <a:t>学号：</a:t>
+            </a:r>
+            <a:r>
+              <a:rPr lang="en-US" altLang="zh-CN" dirty="0">
+                <a:solidFill>
+                  <a:srgbClr val="FFFFFF"/>
+                </a:solidFill>
+                <a:latin typeface="Century Gothic" pitchFamily="34" charset="0"/>
+                <a:ea typeface="微软雅黑" pitchFamily="34" charset="-122"/>
+              </a:rPr>
+              <a:t>121530111</a:t>
+            </a:r>
+            <a:endParaRPr lang="en-US" altLang="zh-CN" dirty="0">
+              <a:solidFill>
+                <a:srgbClr val="FFFFFF"/>
+              </a:solidFill>
+              <a:latin typeface="Century Gothic" pitchFamily="34" charset="0"/>
+              <a:ea typeface="微软雅黑" pitchFamily="34" charset="-122"/>
+            </a:endParaRPr>
+          </a:p>
+        </p:txBody>
+      </p:sp>
+      <p:grpSp>
+        <p:nvGrpSpPr>
+          <p:cNvPr id="15" name="组合 23"/>
+          <p:cNvGrpSpPr/>
+          <p:nvPr/>
+        </p:nvGrpSpPr>
+        <p:grpSpPr>
+          <a:xfrm>
+            <a:off x="9212263" y="5219700"/>
+            <a:ext cx="552450" cy="552450"/>
+            <a:chOff x="3937978" y="5180856"/>
+            <a:chExt cx="552450" cy="552450"/>
+          </a:xfrm>
+        </p:grpSpPr>
+        <p:sp>
+          <p:nvSpPr>
+            <p:cNvPr id="17" name="椭圆 16"/>
+            <p:cNvSpPr/>
+            <p:nvPr/>
+          </p:nvSpPr>
+          <p:spPr>
+            <a:xfrm>
+              <a:off x="3937978" y="5180856"/>
+              <a:ext cx="552450" cy="552450"/>
+            </a:xfrm>
+            <a:prstGeom prst="ellipse">
+              <a:avLst/>
+            </a:prstGeom>
+            <a:solidFill>
+              <a:srgbClr val="FFC000"/>
+            </a:solidFill>
+            <a:ln>
+              <a:noFill/>
+            </a:ln>
+          </p:spPr>
+          <p:style>
+            <a:lnRef idx="2">
+              <a:schemeClr val="accent1">
+                <a:shade val="50000"/>
+              </a:schemeClr>
+            </a:lnRef>
+            <a:fillRef idx="1">
+              <a:schemeClr val="accent1"/>
+            </a:fillRef>
+            <a:effectRef idx="0">
+              <a:schemeClr val="accent1"/>
+            </a:effectRef>
+            <a:fontRef idx="minor">
+              <a:schemeClr val="lt1"/>
+            </a:fontRef>
+          </p:style>
+          <p:txBody>
+            <a:bodyPr anchor="ctr"/>
+            <a:lstStyle/>
+            <a:p>
+              <a:pPr marL="0" marR="0" lvl="0" indent="0" algn="ctr" defTabSz="913765" rtl="0" eaLnBrk="1" latinLnBrk="0" hangingPunct="1">
+                <a:spcBef>
+                  <a:spcPts val="0"/>
+                </a:spcBef>
+                <a:spcAft>
+                  <a:spcPts val="0"/>
+                </a:spcAft>
+                <a:buClrTx/>
+                <a:buSzTx/>
+                <a:buFontTx/>
+                <a:buNone/>
+                <a:defRPr/>
+              </a:pPr>
+              <a:endParaRPr kumimoji="0" lang="zh-CN" altLang="en-US" sz="1900" b="0" i="0" u="none" strike="noStrike" kern="1200" cap="none" spc="0" normalizeH="0" baseline="0" noProof="0">
+                <a:ln>
+                  <a:noFill/>
+                </a:ln>
+                <a:solidFill>
+                  <a:schemeClr val="lt1"/>
+                </a:solidFill>
+                <a:effectLst/>
+                <a:uLnTx/>
+                <a:uFillTx/>
+                <a:latin typeface="+mn-lt"/>
+                <a:ea typeface="+mn-ea"/>
+                <a:cs typeface="+mn-cs"/>
+              </a:endParaRPr>
+            </a:p>
+          </p:txBody>
+        </p:sp>
+        <p:grpSp>
+          <p:nvGrpSpPr>
+            <p:cNvPr id="23" name="Group 38"/>
+            <p:cNvGrpSpPr/>
+            <p:nvPr/>
+          </p:nvGrpSpPr>
+          <p:grpSpPr>
+            <a:xfrm>
+              <a:off x="4022991" y="5324161"/>
+              <a:ext cx="348415" cy="247981"/>
+              <a:chOff x="5326857" y="2779521"/>
+              <a:chExt cx="2283619" cy="2167129"/>
+            </a:xfrm>
+            <a:solidFill>
+              <a:schemeClr val="bg1"/>
+            </a:solidFill>
+          </p:grpSpPr>
+          <p:sp>
+            <p:nvSpPr>
+              <p:cNvPr id="24" name="Freeform 45"/>
+              <p:cNvSpPr/>
+              <p:nvPr/>
+            </p:nvSpPr>
+            <p:spPr>
+              <a:xfrm>
+                <a:off x="5326857" y="3228975"/>
+                <a:ext cx="1147085" cy="1083469"/>
+              </a:xfrm>
+              <a:custGeom>
+                <a:avLst/>
+                <a:gdLst>
+                  <a:gd name="connsiteX0" fmla="*/ 1090612 w 1147085"/>
+                  <a:gd name="connsiteY0" fmla="*/ 0 h 1083469"/>
+                  <a:gd name="connsiteX1" fmla="*/ 1147085 w 1147085"/>
+                  <a:gd name="connsiteY1" fmla="*/ 460567 h 1083469"/>
+                  <a:gd name="connsiteX2" fmla="*/ 1078295 w 1147085"/>
+                  <a:gd name="connsiteY2" fmla="*/ 504743 h 1083469"/>
+                  <a:gd name="connsiteX3" fmla="*/ 1025237 w 1147085"/>
+                  <a:gd name="connsiteY3" fmla="*/ 72025 h 1083469"/>
+                  <a:gd name="connsiteX4" fmla="*/ 79622 w 1147085"/>
+                  <a:gd name="connsiteY4" fmla="*/ 171129 h 1083469"/>
+                  <a:gd name="connsiteX5" fmla="*/ 186985 w 1147085"/>
+                  <a:gd name="connsiteY5" fmla="*/ 990798 h 1083469"/>
+                  <a:gd name="connsiteX6" fmla="*/ 186985 w 1147085"/>
+                  <a:gd name="connsiteY6" fmla="*/ 1011445 h 1083469"/>
+                  <a:gd name="connsiteX7" fmla="*/ 977729 w 1147085"/>
+                  <a:gd name="connsiteY7" fmla="*/ 857154 h 1083469"/>
+                  <a:gd name="connsiteX8" fmla="*/ 977729 w 1147085"/>
+                  <a:gd name="connsiteY8" fmla="*/ 916854 h 1083469"/>
+                  <a:gd name="connsiteX9" fmla="*/ 123825 w 1147085"/>
+                  <a:gd name="connsiteY9" fmla="*/ 1083469 h 1083469"/>
+                  <a:gd name="connsiteX10" fmla="*/ 0 w 1147085"/>
+                  <a:gd name="connsiteY10" fmla="*/ 114300 h 1083469"/>
+                  <a:gd name="connsiteX11" fmla="*/ 1090612 w 1147085"/>
+                  <a:gd name="connsiteY11" fmla="*/ 0 h 1083469"/>
+                  <a:gd name="connsiteX0-1" fmla="*/ 1090612 w 1147085"/>
+                  <a:gd name="connsiteY0-2" fmla="*/ 0 h 1083469"/>
+                  <a:gd name="connsiteX1-3" fmla="*/ 1147085 w 1147085"/>
+                  <a:gd name="connsiteY1-4" fmla="*/ 460567 h 1083469"/>
+                  <a:gd name="connsiteX2-5" fmla="*/ 1078295 w 1147085"/>
+                  <a:gd name="connsiteY2-6" fmla="*/ 504743 h 1083469"/>
+                  <a:gd name="connsiteX3-7" fmla="*/ 1025237 w 1147085"/>
+                  <a:gd name="connsiteY3-8" fmla="*/ 72025 h 1083469"/>
+                  <a:gd name="connsiteX4-9" fmla="*/ 79622 w 1147085"/>
+                  <a:gd name="connsiteY4-10" fmla="*/ 171129 h 1083469"/>
+                  <a:gd name="connsiteX5-11" fmla="*/ 186985 w 1147085"/>
+                  <a:gd name="connsiteY5-12" fmla="*/ 1011445 h 1083469"/>
+                  <a:gd name="connsiteX6-13" fmla="*/ 977729 w 1147085"/>
+                  <a:gd name="connsiteY6-14" fmla="*/ 857154 h 1083469"/>
+                  <a:gd name="connsiteX7-15" fmla="*/ 977729 w 1147085"/>
+                  <a:gd name="connsiteY7-16" fmla="*/ 916854 h 1083469"/>
+                  <a:gd name="connsiteX8-17" fmla="*/ 123825 w 1147085"/>
+                  <a:gd name="connsiteY8-18" fmla="*/ 1083469 h 1083469"/>
+                  <a:gd name="connsiteX9-19" fmla="*/ 0 w 1147085"/>
+                  <a:gd name="connsiteY9-20" fmla="*/ 114300 h 1083469"/>
+                  <a:gd name="connsiteX10-21" fmla="*/ 1090612 w 1147085"/>
+                  <a:gd name="connsiteY10-22" fmla="*/ 0 h 1083469"/>
+                </a:gdLst>
+                <a:ahLst/>
+                <a:cxnLst>
+                  <a:cxn ang="0">
+                    <a:pos x="connsiteX0-1" y="connsiteY0-2"/>
+                  </a:cxn>
+                  <a:cxn ang="0">
+                    <a:pos x="connsiteX1-3" y="connsiteY1-4"/>
+                  </a:cxn>
+                  <a:cxn ang="0">
+                    <a:pos x="connsiteX2-5" y="connsiteY2-6"/>
+                  </a:cxn>
+                  <a:cxn ang="0">
+                    <a:pos x="connsiteX3-7" y="connsiteY3-8"/>
+                  </a:cxn>
+                  <a:cxn ang="0">
+                    <a:pos x="connsiteX4-9" y="connsiteY4-10"/>
+                  </a:cxn>
+                  <a:cxn ang="0">
+                    <a:pos x="connsiteX5-11" y="connsiteY5-12"/>
+                  </a:cxn>
+                  <a:cxn ang="0">
+                    <a:pos x="connsiteX6-13" y="connsiteY6-14"/>
+                  </a:cxn>
+                  <a:cxn ang="0">
+                    <a:pos x="connsiteX7-15" y="connsiteY7-16"/>
+                  </a:cxn>
+                  <a:cxn ang="0">
+                    <a:pos x="connsiteX8-17" y="connsiteY8-18"/>
+                  </a:cxn>
+                  <a:cxn ang="0">
+                    <a:pos x="connsiteX9-19" y="connsiteY9-20"/>
+                  </a:cxn>
+                  <a:cxn ang="0">
+                    <a:pos x="connsiteX10-21" y="connsiteY10-22"/>
+                  </a:cxn>
+                </a:cxnLst>
+                <a:rect l="l" t="t" r="r" b="b"/>
+                <a:pathLst>
+                  <a:path w="1147085" h="1083469">
+                    <a:moveTo>
+                      <a:pt x="1090612" y="0"/>
+                    </a:moveTo>
+                    <a:lnTo>
+                      <a:pt x="1147085" y="460567"/>
+                    </a:lnTo>
+                    <a:cubicBezTo>
+                      <a:pt x="1121629" y="471368"/>
+                      <a:pt x="1098257" y="486098"/>
+                      <a:pt x="1078295" y="504743"/>
+                    </a:cubicBezTo>
+                    <a:lnTo>
+                      <a:pt x="1025237" y="72025"/>
+                    </a:lnTo>
+                    <a:lnTo>
+                      <a:pt x="79622" y="171129"/>
+                    </a:lnTo>
+                    <a:lnTo>
+                      <a:pt x="186985" y="1011445"/>
+                    </a:lnTo>
+                    <a:lnTo>
+                      <a:pt x="977729" y="857154"/>
+                    </a:lnTo>
+                    <a:lnTo>
+                      <a:pt x="977729" y="916854"/>
+                    </a:lnTo>
+                    <a:lnTo>
+                      <a:pt x="123825" y="1083469"/>
+                    </a:lnTo>
+                    <a:lnTo>
+                      <a:pt x="0" y="114300"/>
+                    </a:lnTo>
+                    <a:lnTo>
+                      <a:pt x="1090612" y="0"/>
+                    </a:lnTo>
+                    <a:close/>
+                  </a:path>
+                </a:pathLst>
+              </a:custGeom>
+              <a:grpFill/>
+              <a:ln>
+                <a:noFill/>
+                <a:headEnd type="none" w="med" len="med"/>
+                <a:tailEnd type="none" w="med" len="med"/>
+              </a:ln>
+              <a:effectLst/>
+            </p:spPr>
+            <p:style>
+              <a:lnRef idx="1">
+                <a:schemeClr val="accent2"/>
+              </a:lnRef>
+              <a:fillRef idx="3">
+                <a:schemeClr val="accent2"/>
+              </a:fillRef>
+              <a:effectRef idx="2">
+                <a:schemeClr val="accent2"/>
+              </a:effectRef>
+              <a:fontRef idx="minor">
+                <a:schemeClr val="lt1"/>
+              </a:fontRef>
+            </p:style>
+            <p:txBody>
+              <a:bodyPr lIns="91436" tIns="45718" rIns="91436" bIns="45718" anchor="ctr"/>
+              <a:lstStyle/>
+              <a:p>
+                <a:pPr marL="0" marR="0" lvl="0" indent="0" algn="ctr" defTabSz="685165" rtl="0" eaLnBrk="1" fontAlgn="base" latinLnBrk="0" hangingPunct="1">
+                  <a:spcBef>
+                    <a:spcPct val="0"/>
+                  </a:spcBef>
+                  <a:spcAft>
+                    <a:spcPct val="0"/>
+                  </a:spcAft>
+                  <a:buClrTx/>
+                  <a:buSzTx/>
+                  <a:buFontTx/>
+                  <a:buNone/>
+                  <a:defRPr/>
+                </a:pPr>
+                <a:endParaRPr kumimoji="0" lang="en-US" sz="1700" b="0" i="0" u="none" strike="noStrike" kern="1200" cap="none" spc="0" normalizeH="0" baseline="0" noProof="0" dirty="0">
+                  <a:ln>
+                    <a:noFill/>
+                  </a:ln>
+                  <a:gradFill>
+                    <a:gsLst>
+                      <a:gs pos="0">
+                        <a:srgbClr val="FFFFFF"/>
+                      </a:gs>
+                      <a:gs pos="100000">
+                        <a:srgbClr val="FFFFFF"/>
+                      </a:gs>
+                    </a:gsLst>
+                    <a:lin ang="5400000" scaled="0"/>
+                  </a:gradFill>
+                  <a:effectLst/>
+                  <a:uLnTx/>
+                  <a:uFillTx/>
+                  <a:latin typeface="+mn-lt"/>
+                  <a:ea typeface="+mn-ea"/>
+                  <a:cs typeface="+mn-cs"/>
+                </a:endParaRPr>
+              </a:p>
+            </p:txBody>
+          </p:sp>
+          <p:sp>
+            <p:nvSpPr>
+              <p:cNvPr id="25" name="Oval 23"/>
+              <p:cNvSpPr/>
+              <p:nvPr/>
+            </p:nvSpPr>
+            <p:spPr bwMode="auto">
+              <a:xfrm>
+                <a:off x="5472973" y="4217016"/>
+                <a:ext cx="831613" cy="515322"/>
+              </a:xfrm>
+              <a:custGeom>
+                <a:avLst/>
+                <a:gdLst/>
+                <a:ahLst/>
+                <a:cxnLst/>
+                <a:rect l="l" t="t" r="r" b="b"/>
+                <a:pathLst>
+                  <a:path w="831613" h="515322">
+                    <a:moveTo>
+                      <a:pt x="656506" y="0"/>
+                    </a:moveTo>
+                    <a:cubicBezTo>
+                      <a:pt x="722980" y="12459"/>
+                      <a:pt x="782484" y="33487"/>
+                      <a:pt x="831613" y="60220"/>
+                    </a:cubicBezTo>
+                    <a:lnTo>
+                      <a:pt x="831613" y="156807"/>
+                    </a:lnTo>
+                    <a:lnTo>
+                      <a:pt x="790343" y="156807"/>
+                    </a:lnTo>
+                    <a:cubicBezTo>
+                      <a:pt x="689578" y="156807"/>
+                      <a:pt x="607892" y="247187"/>
+                      <a:pt x="607892" y="358678"/>
+                    </a:cubicBezTo>
+                    <a:cubicBezTo>
+                      <a:pt x="607892" y="412735"/>
+                      <a:pt x="627095" y="461830"/>
+                      <a:pt x="658968" y="497546"/>
+                    </a:cubicBezTo>
+                    <a:cubicBezTo>
+                      <a:pt x="605816" y="509342"/>
+                      <a:pt x="548050" y="515322"/>
+                      <a:pt x="487726" y="515322"/>
+                    </a:cubicBezTo>
+                    <a:cubicBezTo>
+                      <a:pt x="218362" y="515322"/>
+                      <a:pt x="0" y="396081"/>
+                      <a:pt x="0" y="248990"/>
+                    </a:cubicBezTo>
+                    <a:cubicBezTo>
+                      <a:pt x="0" y="198934"/>
+                      <a:pt x="25288" y="152104"/>
+                      <a:pt x="70263" y="113194"/>
+                    </a:cubicBezTo>
+                    <a:close/>
+                  </a:path>
+                </a:pathLst>
+              </a:custGeom>
+              <a:grpFill/>
+              <a:ln>
+                <a:noFill/>
+                <a:headEnd type="none" w="med" len="med"/>
+                <a:tailEnd type="none" w="med" len="med"/>
+              </a:ln>
+              <a:effectLst/>
+            </p:spPr>
+            <p:style>
+              <a:lnRef idx="1">
+                <a:schemeClr val="accent2"/>
+              </a:lnRef>
+              <a:fillRef idx="3">
+                <a:schemeClr val="accent2"/>
+              </a:fillRef>
+              <a:effectRef idx="2">
+                <a:schemeClr val="accent2"/>
+              </a:effectRef>
+              <a:fontRef idx="minor">
+                <a:schemeClr val="lt1"/>
+              </a:fontRef>
+            </p:style>
+            <p:txBody>
+              <a:bodyPr lIns="91436" tIns="45718" rIns="91436" bIns="45718" anchor="ctr"/>
+              <a:lstStyle/>
+              <a:p>
+                <a:pPr marL="0" marR="0" lvl="0" indent="0" algn="ctr" defTabSz="685165" rtl="0" eaLnBrk="1" fontAlgn="base" latinLnBrk="0" hangingPunct="1">
+                  <a:spcBef>
+                    <a:spcPct val="0"/>
+                  </a:spcBef>
+                  <a:spcAft>
+                    <a:spcPct val="0"/>
+                  </a:spcAft>
+                  <a:buClrTx/>
+                  <a:buSzTx/>
+                  <a:buFontTx/>
+                  <a:buNone/>
+                  <a:defRPr/>
+                </a:pPr>
+                <a:endParaRPr kumimoji="0" lang="en-US" sz="1700" b="0" i="0" u="none" strike="noStrike" kern="1200" cap="none" spc="0" normalizeH="0" baseline="0" noProof="0" dirty="0">
+                  <a:ln>
+                    <a:noFill/>
+                  </a:ln>
+                  <a:gradFill>
+                    <a:gsLst>
+                      <a:gs pos="0">
+                        <a:srgbClr val="FFFFFF"/>
+                      </a:gs>
+                      <a:gs pos="100000">
+                        <a:srgbClr val="FFFFFF"/>
+                      </a:gs>
+                    </a:gsLst>
+                    <a:lin ang="5400000" scaled="0"/>
+                  </a:gradFill>
+                  <a:effectLst/>
+                  <a:uLnTx/>
+                  <a:uFillTx/>
+                  <a:latin typeface="+mn-lt"/>
+                  <a:ea typeface="+mn-ea"/>
+                  <a:cs typeface="+mn-cs"/>
+                </a:endParaRPr>
+              </a:p>
+            </p:txBody>
+          </p:sp>
+          <p:sp>
+            <p:nvSpPr>
+              <p:cNvPr id="26" name="Rounded Rectangle 13"/>
+              <p:cNvSpPr/>
+              <p:nvPr/>
+            </p:nvSpPr>
+            <p:spPr bwMode="auto">
+              <a:xfrm>
+                <a:off x="6127748" y="3705225"/>
+                <a:ext cx="1375518" cy="1241425"/>
+              </a:xfrm>
+              <a:custGeom>
+                <a:avLst/>
+                <a:gdLst/>
+                <a:ahLst/>
+                <a:cxnLst/>
+                <a:rect l="l" t="t" r="r" b="b"/>
+                <a:pathLst>
+                  <a:path w="1375518" h="1241425">
+                    <a:moveTo>
+                      <a:pt x="880211" y="0"/>
+                    </a:moveTo>
+                    <a:lnTo>
+                      <a:pt x="1125002" y="0"/>
+                    </a:lnTo>
+                    <a:cubicBezTo>
+                      <a:pt x="1202113" y="0"/>
+                      <a:pt x="1271265" y="34077"/>
+                      <a:pt x="1317403" y="88704"/>
+                    </a:cubicBezTo>
+                    <a:cubicBezTo>
+                      <a:pt x="1244331" y="103169"/>
+                      <a:pt x="1190628" y="168346"/>
+                      <a:pt x="1190628" y="246066"/>
+                    </a:cubicBezTo>
+                    <a:lnTo>
+                      <a:pt x="1190628" y="708029"/>
+                    </a:lnTo>
+                    <a:lnTo>
+                      <a:pt x="929175" y="708029"/>
+                    </a:lnTo>
+                    <a:lnTo>
+                      <a:pt x="803618" y="172438"/>
+                    </a:lnTo>
+                    <a:close/>
+                    <a:moveTo>
+                      <a:pt x="481554" y="0"/>
+                    </a:moveTo>
+                    <a:lnTo>
+                      <a:pt x="726347" y="0"/>
+                    </a:lnTo>
+                    <a:lnTo>
+                      <a:pt x="802940" y="172436"/>
+                    </a:lnTo>
+                    <a:lnTo>
+                      <a:pt x="674361" y="720915"/>
+                    </a:lnTo>
+                    <a:cubicBezTo>
+                      <a:pt x="614856" y="745801"/>
+                      <a:pt x="573090" y="804586"/>
+                      <a:pt x="573090" y="873128"/>
+                    </a:cubicBezTo>
+                    <a:cubicBezTo>
+                      <a:pt x="573090" y="964310"/>
+                      <a:pt x="647007" y="1038227"/>
+                      <a:pt x="738189" y="1038227"/>
+                    </a:cubicBezTo>
+                    <a:lnTo>
+                      <a:pt x="1375518" y="1038227"/>
+                    </a:lnTo>
+                    <a:cubicBezTo>
+                      <a:pt x="1351252" y="1154299"/>
+                      <a:pt x="1248302" y="1241425"/>
+                      <a:pt x="1125002" y="1241425"/>
+                    </a:cubicBezTo>
+                    <a:lnTo>
+                      <a:pt x="481554" y="1241425"/>
+                    </a:lnTo>
+                    <a:cubicBezTo>
+                      <a:pt x="358254" y="1241425"/>
+                      <a:pt x="255302" y="1154298"/>
+                      <a:pt x="231037" y="1038224"/>
+                    </a:cubicBezTo>
+                    <a:lnTo>
+                      <a:pt x="165099" y="1038224"/>
+                    </a:lnTo>
+                    <a:cubicBezTo>
+                      <a:pt x="73917" y="1038224"/>
+                      <a:pt x="0" y="964307"/>
+                      <a:pt x="0" y="873125"/>
+                    </a:cubicBezTo>
+                    <a:cubicBezTo>
+                      <a:pt x="0" y="781943"/>
+                      <a:pt x="73917" y="708026"/>
+                      <a:pt x="165099" y="708026"/>
+                    </a:cubicBezTo>
+                    <a:lnTo>
+                      <a:pt x="225428" y="708026"/>
+                    </a:lnTo>
+                    <a:lnTo>
+                      <a:pt x="225428" y="256126"/>
+                    </a:lnTo>
+                    <a:cubicBezTo>
+                      <a:pt x="225428" y="114672"/>
+                      <a:pt x="340100" y="0"/>
+                      <a:pt x="481554" y="0"/>
+                    </a:cubicBezTo>
+                    <a:close/>
+                  </a:path>
+                </a:pathLst>
+              </a:custGeom>
+              <a:grpFill/>
+              <a:ln>
+                <a:noFill/>
+                <a:headEnd type="none" w="med" len="med"/>
+                <a:tailEnd type="none" w="med" len="med"/>
+              </a:ln>
+              <a:effectLst/>
+            </p:spPr>
+            <p:style>
+              <a:lnRef idx="1">
+                <a:schemeClr val="accent2"/>
+              </a:lnRef>
+              <a:fillRef idx="3">
+                <a:schemeClr val="accent2"/>
+              </a:fillRef>
+              <a:effectRef idx="2">
+                <a:schemeClr val="accent2"/>
+              </a:effectRef>
+              <a:fontRef idx="minor">
+                <a:schemeClr val="lt1"/>
+              </a:fontRef>
+            </p:style>
+            <p:txBody>
+              <a:bodyPr lIns="91436" tIns="45718" rIns="91436" bIns="45718" anchor="ctr"/>
+              <a:lstStyle/>
+              <a:p>
+                <a:pPr marL="0" marR="0" lvl="0" indent="0" algn="ctr" defTabSz="685165" rtl="0" eaLnBrk="1" fontAlgn="base" latinLnBrk="0" hangingPunct="1">
+                  <a:spcBef>
+                    <a:spcPct val="0"/>
+                  </a:spcBef>
+                  <a:spcAft>
+                    <a:spcPct val="0"/>
+                  </a:spcAft>
+                  <a:buClrTx/>
+                  <a:buSzTx/>
+                  <a:buFontTx/>
+                  <a:buNone/>
+                  <a:defRPr/>
+                </a:pPr>
+                <a:endParaRPr kumimoji="0" lang="en-US" sz="1700" b="0" i="0" u="none" strike="noStrike" kern="1200" cap="none" spc="0" normalizeH="0" baseline="0" noProof="0" dirty="0">
+                  <a:ln>
+                    <a:noFill/>
+                  </a:ln>
+                  <a:gradFill>
+                    <a:gsLst>
+                      <a:gs pos="0">
+                        <a:srgbClr val="FFFFFF"/>
+                      </a:gs>
+                      <a:gs pos="100000">
+                        <a:srgbClr val="FFFFFF"/>
+                      </a:gs>
+                    </a:gsLst>
+                    <a:lin ang="5400000" scaled="0"/>
+                  </a:gradFill>
+                  <a:effectLst/>
+                  <a:uLnTx/>
+                  <a:uFillTx/>
+                  <a:latin typeface="+mn-lt"/>
+                  <a:ea typeface="+mn-ea"/>
+                  <a:cs typeface="+mn-cs"/>
+                </a:endParaRPr>
+              </a:p>
+            </p:txBody>
+          </p:sp>
+          <p:sp>
+            <p:nvSpPr>
+              <p:cNvPr id="27" name="Oval 57"/>
+              <p:cNvSpPr/>
+              <p:nvPr/>
+            </p:nvSpPr>
+            <p:spPr bwMode="auto">
+              <a:xfrm>
+                <a:off x="6524624" y="2779521"/>
+                <a:ext cx="835025" cy="835025"/>
+              </a:xfrm>
+              <a:prstGeom prst="ellipse">
+                <a:avLst/>
+              </a:prstGeom>
+              <a:grpFill/>
+              <a:ln>
+                <a:noFill/>
+                <a:headEnd type="none" w="med" len="med"/>
+                <a:tailEnd type="none" w="med" len="med"/>
+              </a:ln>
+              <a:effectLst/>
+            </p:spPr>
+            <p:style>
+              <a:lnRef idx="1">
+                <a:schemeClr val="accent2"/>
+              </a:lnRef>
+              <a:fillRef idx="3">
+                <a:schemeClr val="accent2"/>
+              </a:fillRef>
+              <a:effectRef idx="2">
+                <a:schemeClr val="accent2"/>
+              </a:effectRef>
+              <a:fontRef idx="minor">
+                <a:schemeClr val="lt1"/>
+              </a:fontRef>
+            </p:style>
+            <p:txBody>
+              <a:bodyPr lIns="91436" tIns="45718" rIns="91436" bIns="45718" anchor="ctr"/>
+              <a:lstStyle/>
+              <a:p>
+                <a:pPr marL="0" marR="0" lvl="0" indent="0" algn="ctr" defTabSz="685165" rtl="0" eaLnBrk="1" fontAlgn="base" latinLnBrk="0" hangingPunct="1">
+                  <a:spcBef>
+                    <a:spcPct val="0"/>
+                  </a:spcBef>
+                  <a:spcAft>
+                    <a:spcPct val="0"/>
+                  </a:spcAft>
+                  <a:buClrTx/>
+                  <a:buSzTx/>
+                  <a:buFontTx/>
+                  <a:buNone/>
+                  <a:defRPr/>
+                </a:pPr>
+                <a:endParaRPr kumimoji="0" lang="en-US" sz="1700" b="0" i="0" u="none" strike="noStrike" kern="1200" cap="none" spc="0" normalizeH="0" baseline="0" noProof="0" dirty="0">
+                  <a:ln>
+                    <a:noFill/>
+                  </a:ln>
+                  <a:gradFill>
+                    <a:gsLst>
+                      <a:gs pos="0">
+                        <a:srgbClr val="FFFFFF"/>
+                      </a:gs>
+                      <a:gs pos="100000">
+                        <a:srgbClr val="FFFFFF"/>
+                      </a:gs>
+                    </a:gsLst>
+                    <a:lin ang="5400000" scaled="0"/>
+                  </a:gradFill>
+                  <a:effectLst/>
+                  <a:uLnTx/>
+                  <a:uFillTx/>
+                  <a:latin typeface="+mn-lt"/>
+                  <a:ea typeface="+mn-ea"/>
+                  <a:cs typeface="+mn-cs"/>
+                </a:endParaRPr>
+              </a:p>
+            </p:txBody>
+          </p:sp>
+          <p:sp>
+            <p:nvSpPr>
+              <p:cNvPr id="28" name="Rounded Rectangle 14"/>
               <p:cNvSpPr/>
               <p:nvPr/>
             </p:nvSpPr>
@@ -6902,7 +8788,7 @@
         </p:nvSpPr>
         <p:spPr>
           <a:xfrm>
-            <a:off x="4984433" y="97790"/>
+            <a:off x="4779328" y="97790"/>
             <a:ext cx="2010410" cy="1264920"/>
           </a:xfrm>
           <a:prstGeom prst="rect">
@@ -9293,7 +11179,7 @@
         </p:blipFill>
         <p:spPr>
           <a:xfrm>
-            <a:off x="1026795" y="969010"/>
+            <a:off x="972185" y="991235"/>
             <a:ext cx="10408285" cy="5668645"/>
           </a:xfrm>
           <a:prstGeom prst="rect">
@@ -13270,15 +15156,14 @@
         <p:nvCxnSpPr>
           <p:cNvPr id="11" name="直接箭头连接符 10"/>
           <p:cNvCxnSpPr>
-            <a:stCxn id="6" idx="3"/>
             <a:endCxn id="10" idx="1"/>
           </p:cNvCxnSpPr>
           <p:nvPr/>
         </p:nvCxnSpPr>
         <p:spPr>
-          <a:xfrm>
-            <a:off x="4494530" y="4801870"/>
-            <a:ext cx="1047750" cy="11430"/>
+          <a:xfrm flipV="1">
+            <a:off x="4150995" y="4796790"/>
+            <a:ext cx="1391285" cy="17145"/>
           </a:xfrm>
           <a:prstGeom prst="straightConnector1">
             <a:avLst/>
@@ -13735,8 +15620,8 @@
         </p:nvSpPr>
         <p:spPr>
           <a:xfrm>
-            <a:off x="968375" y="3453765"/>
-            <a:ext cx="9785350" cy="2011680"/>
+            <a:off x="1352550" y="3453765"/>
+            <a:ext cx="9402445" cy="2011680"/>
           </a:xfrm>
           <a:prstGeom prst="rect">
             <a:avLst/>
@@ -13829,8 +15714,8 @@
         </p:nvSpPr>
         <p:spPr>
           <a:xfrm>
-            <a:off x="1012190" y="1292225"/>
-            <a:ext cx="10453370" cy="2011680"/>
+            <a:off x="1352550" y="1292225"/>
+            <a:ext cx="10113645" cy="2011680"/>
           </a:xfrm>
           <a:prstGeom prst="rect">
             <a:avLst/>
@@ -13911,6 +15796,216 @@
               </a:solidFill>
               <a:latin typeface="Times New Roman" charset="0"/>
               <a:ea typeface="+mn-ea"/>
+            </a:endParaRPr>
+          </a:p>
+        </p:txBody>
+      </p:sp>
+      <p:sp>
+        <p:nvSpPr>
+          <p:cNvPr id="4" name="等腰三角形 3"/>
+          <p:cNvSpPr/>
+          <p:nvPr/>
+        </p:nvSpPr>
+        <p:spPr>
+          <a:xfrm rot="5400000">
+            <a:off x="457201" y="427038"/>
+            <a:ext cx="222250" cy="193675"/>
+          </a:xfrm>
+          <a:prstGeom prst="triangle">
+            <a:avLst/>
+          </a:prstGeom>
+          <a:solidFill>
+            <a:schemeClr val="accent4"/>
+          </a:solidFill>
+          <a:ln>
+            <a:noFill/>
+          </a:ln>
+        </p:spPr>
+        <p:style>
+          <a:lnRef idx="2">
+            <a:schemeClr val="accent1">
+              <a:shade val="50000"/>
+            </a:schemeClr>
+          </a:lnRef>
+          <a:fillRef idx="1">
+            <a:schemeClr val="accent1"/>
+          </a:fillRef>
+          <a:effectRef idx="0">
+            <a:schemeClr val="accent1"/>
+          </a:effectRef>
+          <a:fontRef idx="minor">
+            <a:schemeClr val="lt1"/>
+          </a:fontRef>
+        </p:style>
+        <p:txBody>
+          <a:bodyPr anchor="ctr"/>
+          <a:p>
+            <a:pPr marL="0" marR="0" lvl="0" indent="0" algn="ctr" defTabSz="913765" rtl="0" eaLnBrk="1" latinLnBrk="0" hangingPunct="1">
+              <a:spcBef>
+                <a:spcPts val="0"/>
+              </a:spcBef>
+              <a:spcAft>
+                <a:spcPts val="0"/>
+              </a:spcAft>
+              <a:buClrTx/>
+              <a:buSzTx/>
+              <a:buFontTx/>
+              <a:buNone/>
+              <a:defRPr/>
+            </a:pPr>
+            <a:endParaRPr kumimoji="0" lang="zh-CN" altLang="en-US" sz="1900" b="0" i="0" u="none" strike="noStrike" kern="1200" cap="none" spc="0" normalizeH="0" baseline="0" noProof="0">
+              <a:ln>
+                <a:noFill/>
+              </a:ln>
+              <a:solidFill>
+                <a:schemeClr val="lt1"/>
+              </a:solidFill>
+              <a:effectLst/>
+              <a:uLnTx/>
+              <a:uFillTx/>
+              <a:latin typeface="+mn-lt"/>
+              <a:ea typeface="+mn-ea"/>
+              <a:cs typeface="+mn-cs"/>
+            </a:endParaRPr>
+          </a:p>
+        </p:txBody>
+      </p:sp>
+      <p:sp>
+        <p:nvSpPr>
+          <p:cNvPr id="5" name="等腰三角形 4"/>
+          <p:cNvSpPr/>
+          <p:nvPr/>
+        </p:nvSpPr>
+        <p:spPr>
+          <a:xfrm rot="5400000">
+            <a:off x="1065530" y="1668780"/>
+            <a:ext cx="102235" cy="76200"/>
+          </a:xfrm>
+          <a:prstGeom prst="triangle">
+            <a:avLst/>
+          </a:prstGeom>
+          <a:solidFill>
+            <a:schemeClr val="accent4"/>
+          </a:solidFill>
+          <a:ln>
+            <a:noFill/>
+          </a:ln>
+        </p:spPr>
+        <p:style>
+          <a:lnRef idx="2">
+            <a:schemeClr val="accent1">
+              <a:shade val="50000"/>
+            </a:schemeClr>
+          </a:lnRef>
+          <a:fillRef idx="1">
+            <a:schemeClr val="accent1"/>
+          </a:fillRef>
+          <a:effectRef idx="0">
+            <a:schemeClr val="accent1"/>
+          </a:effectRef>
+          <a:fontRef idx="minor">
+            <a:schemeClr val="lt1"/>
+          </a:fontRef>
+        </p:style>
+        <p:txBody>
+          <a:bodyPr anchor="ctr"/>
+          <a:p>
+            <a:pPr marL="0" marR="0" lvl="0" indent="0" algn="ctr" defTabSz="913765" rtl="0" eaLnBrk="1" latinLnBrk="0" hangingPunct="1">
+              <a:spcBef>
+                <a:spcPts val="0"/>
+              </a:spcBef>
+              <a:spcAft>
+                <a:spcPts val="0"/>
+              </a:spcAft>
+              <a:buClrTx/>
+              <a:buSzTx/>
+              <a:buFontTx/>
+              <a:buNone/>
+              <a:defRPr/>
+            </a:pPr>
+            <a:endParaRPr kumimoji="0" lang="zh-CN" altLang="en-US" sz="1900" b="0" i="0" u="none" strike="noStrike" kern="1200" cap="none" spc="0" normalizeH="0" baseline="0" noProof="0">
+              <a:ln>
+                <a:noFill/>
+              </a:ln>
+              <a:solidFill>
+                <a:schemeClr val="lt1"/>
+              </a:solidFill>
+              <a:effectLst/>
+              <a:uLnTx/>
+              <a:uFillTx/>
+              <a:latin typeface="+mn-lt"/>
+              <a:ea typeface="+mn-ea"/>
+              <a:cs typeface="+mn-cs"/>
+            </a:endParaRPr>
+          </a:p>
+        </p:txBody>
+      </p:sp>
+      <p:sp>
+        <p:nvSpPr>
+          <p:cNvPr id="6" name="等腰三角形 5"/>
+          <p:cNvSpPr/>
+          <p:nvPr/>
+        </p:nvSpPr>
+        <p:spPr>
+          <a:xfrm rot="5400000">
+            <a:off x="1073150" y="3844290"/>
+            <a:ext cx="102235" cy="76200"/>
+          </a:xfrm>
+          <a:prstGeom prst="triangle">
+            <a:avLst/>
+          </a:prstGeom>
+          <a:solidFill>
+            <a:schemeClr val="accent4"/>
+          </a:solidFill>
+          <a:ln>
+            <a:noFill/>
+          </a:ln>
+        </p:spPr>
+        <p:style>
+          <a:lnRef idx="2">
+            <a:schemeClr val="accent1">
+              <a:shade val="50000"/>
+            </a:schemeClr>
+          </a:lnRef>
+          <a:fillRef idx="1">
+            <a:schemeClr val="accent1"/>
+          </a:fillRef>
+          <a:effectRef idx="0">
+            <a:schemeClr val="accent1"/>
+          </a:effectRef>
+          <a:fontRef idx="minor">
+            <a:schemeClr val="lt1"/>
+          </a:fontRef>
+        </p:style>
+        <p:txBody>
+          <a:bodyPr anchor="ctr"/>
+          <a:p>
+            <a:pPr marL="0" marR="0" lvl="0" indent="0" algn="ctr" defTabSz="913765" rtl="0" eaLnBrk="1" latinLnBrk="0" hangingPunct="1">
+              <a:spcBef>
+                <a:spcPts val="0"/>
+              </a:spcBef>
+              <a:spcAft>
+                <a:spcPts val="0"/>
+              </a:spcAft>
+              <a:buClrTx/>
+              <a:buSzTx/>
+              <a:buFontTx/>
+              <a:buNone/>
+              <a:defRPr/>
+            </a:pPr>
+            <a:endParaRPr kumimoji="0" lang="zh-CN" altLang="en-US" sz="1900" b="0" i="0" u="none" strike="noStrike" kern="1200" cap="none" spc="0" normalizeH="0" baseline="0" noProof="0">
+              <a:ln>
+                <a:noFill/>
+              </a:ln>
+              <a:solidFill>
+                <a:schemeClr val="lt1"/>
+              </a:solidFill>
+              <a:effectLst/>
+              <a:uLnTx/>
+              <a:uFillTx/>
+              <a:latin typeface="+mn-lt"/>
+              <a:ea typeface="+mn-ea"/>
+              <a:cs typeface="+mn-cs"/>
             </a:endParaRPr>
           </a:p>
         </p:txBody>
